--- a/Materialien/Powerpoint/Einführung in Dateien.pptx
+++ b/Materialien/Powerpoint/Einführung in Dateien.pptx
@@ -119,10 +119,7 @@
 <file path=ppt/revisionInfo.xml><?xml version="1.0" encoding="utf-8"?>
 <p1510:revInfo xmlns:a="http://schemas.openxmlformats.org/drawingml/2006/main" xmlns:r="http://schemas.openxmlformats.org/officeDocument/2006/relationships" xmlns:p1510="http://schemas.microsoft.com/office/powerpoint/2015/10/main">
   <p1510:revLst>
-    <p1510:client id="{4A28AF44-F267-4BE6-8B84-4099FABF19CD}" v="700" dt="2021-07-04T20:56:15.080"/>
-    <p1510:client id="{5A0C8B77-F258-40F5-A2FE-E6B4E2F24921}" v="434" dt="2021-07-04T21:09:51.172"/>
-    <p1510:client id="{7943B4D3-F9F6-4054-91F8-B83B6C017666}" v="252" dt="2021-07-04T13:35:13.711"/>
-    <p1510:client id="{BE1DB9F4-E304-4C37-970B-A53B13E8E1BC}" v="134" dt="2021-07-04T14:48:54.870"/>
+    <p1510:client id="{37F16308-16EA-4170-A5F9-CD122A12A1D1}" v="4" dt="2021-07-20T19:39:55.813"/>
   </p1510:revLst>
 </p1510:revInfo>
 </file>
@@ -568,6 +565,90 @@
     </pc:docChg>
   </pc:docChgLst>
   <pc:docChgLst>
+    <pc:chgData name="Sebastian Meine" userId="f54488a2a6b7dc9e" providerId="LiveId" clId="{37F16308-16EA-4170-A5F9-CD122A12A1D1}"/>
+    <pc:docChg chg="modSld">
+      <pc:chgData name="Sebastian Meine" userId="f54488a2a6b7dc9e" providerId="LiveId" clId="{37F16308-16EA-4170-A5F9-CD122A12A1D1}" dt="2021-07-20T19:40:05.075" v="7"/>
+      <pc:docMkLst>
+        <pc:docMk/>
+      </pc:docMkLst>
+      <pc:sldChg chg="modSp mod">
+        <pc:chgData name="Sebastian Meine" userId="f54488a2a6b7dc9e" providerId="LiveId" clId="{37F16308-16EA-4170-A5F9-CD122A12A1D1}" dt="2021-07-20T19:39:59.245" v="4"/>
+        <pc:sldMkLst>
+          <pc:docMk/>
+          <pc:sldMk cId="2109793123" sldId="258"/>
+        </pc:sldMkLst>
+        <pc:spChg chg="mod">
+          <ac:chgData name="Sebastian Meine" userId="f54488a2a6b7dc9e" providerId="LiveId" clId="{37F16308-16EA-4170-A5F9-CD122A12A1D1}" dt="2021-07-20T19:39:59.245" v="4"/>
+          <ac:spMkLst>
+            <pc:docMk/>
+            <pc:sldMk cId="2109793123" sldId="258"/>
+            <ac:spMk id="8" creationId="{6833897F-8945-43C1-8EE1-2E83FF8331D9}"/>
+          </ac:spMkLst>
+        </pc:spChg>
+      </pc:sldChg>
+      <pc:sldChg chg="modSp mod">
+        <pc:chgData name="Sebastian Meine" userId="f54488a2a6b7dc9e" providerId="LiveId" clId="{37F16308-16EA-4170-A5F9-CD122A12A1D1}" dt="2021-07-20T19:40:05.075" v="7"/>
+        <pc:sldMkLst>
+          <pc:docMk/>
+          <pc:sldMk cId="583026924" sldId="259"/>
+        </pc:sldMkLst>
+        <pc:spChg chg="mod">
+          <ac:chgData name="Sebastian Meine" userId="f54488a2a6b7dc9e" providerId="LiveId" clId="{37F16308-16EA-4170-A5F9-CD122A12A1D1}" dt="2021-07-20T19:40:05.075" v="7"/>
+          <ac:spMkLst>
+            <pc:docMk/>
+            <pc:sldMk cId="583026924" sldId="259"/>
+            <ac:spMk id="8" creationId="{3B4D951D-CFCF-46C6-91EB-50913F6DFC4D}"/>
+          </ac:spMkLst>
+        </pc:spChg>
+      </pc:sldChg>
+      <pc:sldChg chg="modSp mod">
+        <pc:chgData name="Sebastian Meine" userId="f54488a2a6b7dc9e" providerId="LiveId" clId="{37F16308-16EA-4170-A5F9-CD122A12A1D1}" dt="2021-07-20T19:40:02.963" v="6"/>
+        <pc:sldMkLst>
+          <pc:docMk/>
+          <pc:sldMk cId="2435630695" sldId="260"/>
+        </pc:sldMkLst>
+        <pc:spChg chg="mod">
+          <ac:chgData name="Sebastian Meine" userId="f54488a2a6b7dc9e" providerId="LiveId" clId="{37F16308-16EA-4170-A5F9-CD122A12A1D1}" dt="2021-07-20T19:40:02.963" v="6"/>
+          <ac:spMkLst>
+            <pc:docMk/>
+            <pc:sldMk cId="2435630695" sldId="260"/>
+            <ac:spMk id="8" creationId="{6833897F-8945-43C1-8EE1-2E83FF8331D9}"/>
+          </ac:spMkLst>
+        </pc:spChg>
+      </pc:sldChg>
+      <pc:sldChg chg="modSp">
+        <pc:chgData name="Sebastian Meine" userId="f54488a2a6b7dc9e" providerId="LiveId" clId="{37F16308-16EA-4170-A5F9-CD122A12A1D1}" dt="2021-07-20T19:39:55.813" v="3" actId="6549"/>
+        <pc:sldMkLst>
+          <pc:docMk/>
+          <pc:sldMk cId="3097966872" sldId="261"/>
+        </pc:sldMkLst>
+        <pc:spChg chg="mod">
+          <ac:chgData name="Sebastian Meine" userId="f54488a2a6b7dc9e" providerId="LiveId" clId="{37F16308-16EA-4170-A5F9-CD122A12A1D1}" dt="2021-07-20T19:39:55.813" v="3" actId="6549"/>
+          <ac:spMkLst>
+            <pc:docMk/>
+            <pc:sldMk cId="3097966872" sldId="261"/>
+            <ac:spMk id="2" creationId="{87B2046A-71C6-4A5C-90F4-24A921FBE6F2}"/>
+          </ac:spMkLst>
+        </pc:spChg>
+      </pc:sldChg>
+      <pc:sldChg chg="modSp mod">
+        <pc:chgData name="Sebastian Meine" userId="f54488a2a6b7dc9e" providerId="LiveId" clId="{37F16308-16EA-4170-A5F9-CD122A12A1D1}" dt="2021-07-20T19:40:01.115" v="5"/>
+        <pc:sldMkLst>
+          <pc:docMk/>
+          <pc:sldMk cId="362378951" sldId="263"/>
+        </pc:sldMkLst>
+        <pc:spChg chg="mod">
+          <ac:chgData name="Sebastian Meine" userId="f54488a2a6b7dc9e" providerId="LiveId" clId="{37F16308-16EA-4170-A5F9-CD122A12A1D1}" dt="2021-07-20T19:40:01.115" v="5"/>
+          <ac:spMkLst>
+            <pc:docMk/>
+            <pc:sldMk cId="362378951" sldId="263"/>
+            <ac:spMk id="8" creationId="{6833897F-8945-43C1-8EE1-2E83FF8331D9}"/>
+          </ac:spMkLst>
+        </pc:spChg>
+      </pc:sldChg>
+    </pc:docChg>
+  </pc:docChgLst>
+  <pc:docChgLst>
     <pc:chgData name="Sebastian Meine" userId="f54488a2a6b7dc9e" providerId="LiveId" clId="{5A0C8B77-F258-40F5-A2FE-E6B4E2F24921}"/>
     <pc:docChg chg="addSld delSld modSld">
       <pc:chgData name="Sebastian Meine" userId="f54488a2a6b7dc9e" providerId="LiveId" clId="{5A0C8B77-F258-40F5-A2FE-E6B4E2F24921}" dt="2021-07-04T21:09:51.172" v="475" actId="20577"/>
@@ -873,7 +954,7 @@
           <a:p>
             <a:fld id="{D4AD37E9-5A10-49A7-855D-CAA2D2E848B6}" type="datetimeFigureOut">
               <a:rPr lang="de-DE" smtClean="0"/>
-              <a:t>04.07.2021</a:t>
+              <a:t>20.07.2021</a:t>
             </a:fld>
             <a:endParaRPr lang="de-DE"/>
           </a:p>
@@ -1154,7 +1235,7 @@
           <a:p>
             <a:fld id="{D4AD37E9-5A10-49A7-855D-CAA2D2E848B6}" type="datetimeFigureOut">
               <a:rPr lang="de-DE" smtClean="0"/>
-              <a:t>04.07.2021</a:t>
+              <a:t>20.07.2021</a:t>
             </a:fld>
             <a:endParaRPr lang="de-DE"/>
           </a:p>
@@ -1346,7 +1427,7 @@
           <a:p>
             <a:fld id="{D4AD37E9-5A10-49A7-855D-CAA2D2E848B6}" type="datetimeFigureOut">
               <a:rPr lang="de-DE" smtClean="0"/>
-              <a:t>04.07.2021</a:t>
+              <a:t>20.07.2021</a:t>
             </a:fld>
             <a:endParaRPr lang="de-DE"/>
           </a:p>
@@ -1607,7 +1688,7 @@
           <a:p>
             <a:fld id="{D4AD37E9-5A10-49A7-855D-CAA2D2E848B6}" type="datetimeFigureOut">
               <a:rPr lang="de-DE" smtClean="0"/>
-              <a:t>04.07.2021</a:t>
+              <a:t>20.07.2021</a:t>
             </a:fld>
             <a:endParaRPr lang="de-DE"/>
           </a:p>
@@ -2033,7 +2114,7 @@
           <a:p>
             <a:fld id="{D4AD37E9-5A10-49A7-855D-CAA2D2E848B6}" type="datetimeFigureOut">
               <a:rPr lang="de-DE" smtClean="0"/>
-              <a:t>04.07.2021</a:t>
+              <a:t>20.07.2021</a:t>
             </a:fld>
             <a:endParaRPr lang="de-DE"/>
           </a:p>
@@ -2579,7 +2660,7 @@
           <a:p>
             <a:fld id="{D4AD37E9-5A10-49A7-855D-CAA2D2E848B6}" type="datetimeFigureOut">
               <a:rPr lang="de-DE" smtClean="0"/>
-              <a:t>04.07.2021</a:t>
+              <a:t>20.07.2021</a:t>
             </a:fld>
             <a:endParaRPr lang="de-DE"/>
           </a:p>
@@ -3410,7 +3491,7 @@
           <a:p>
             <a:fld id="{D4AD37E9-5A10-49A7-855D-CAA2D2E848B6}" type="datetimeFigureOut">
               <a:rPr lang="de-DE" smtClean="0"/>
-              <a:t>04.07.2021</a:t>
+              <a:t>20.07.2021</a:t>
             </a:fld>
             <a:endParaRPr lang="de-DE"/>
           </a:p>
@@ -3580,7 +3661,7 @@
           <a:p>
             <a:fld id="{D4AD37E9-5A10-49A7-855D-CAA2D2E848B6}" type="datetimeFigureOut">
               <a:rPr lang="de-DE" smtClean="0"/>
-              <a:t>04.07.2021</a:t>
+              <a:t>20.07.2021</a:t>
             </a:fld>
             <a:endParaRPr lang="de-DE"/>
           </a:p>
@@ -3760,7 +3841,7 @@
           <a:p>
             <a:fld id="{D4AD37E9-5A10-49A7-855D-CAA2D2E848B6}" type="datetimeFigureOut">
               <a:rPr lang="de-DE" smtClean="0"/>
-              <a:t>04.07.2021</a:t>
+              <a:t>20.07.2021</a:t>
             </a:fld>
             <a:endParaRPr lang="de-DE"/>
           </a:p>
@@ -3930,7 +4011,7 @@
           <a:p>
             <a:fld id="{D4AD37E9-5A10-49A7-855D-CAA2D2E848B6}" type="datetimeFigureOut">
               <a:rPr lang="de-DE" smtClean="0"/>
-              <a:t>04.07.2021</a:t>
+              <a:t>20.07.2021</a:t>
             </a:fld>
             <a:endParaRPr lang="de-DE"/>
           </a:p>
@@ -4187,7 +4268,7 @@
           <a:p>
             <a:fld id="{D4AD37E9-5A10-49A7-855D-CAA2D2E848B6}" type="datetimeFigureOut">
               <a:rPr lang="de-DE" smtClean="0"/>
-              <a:t>04.07.2021</a:t>
+              <a:t>20.07.2021</a:t>
             </a:fld>
             <a:endParaRPr lang="de-DE"/>
           </a:p>
@@ -4419,7 +4500,7 @@
           <a:p>
             <a:fld id="{D4AD37E9-5A10-49A7-855D-CAA2D2E848B6}" type="datetimeFigureOut">
               <a:rPr lang="de-DE" smtClean="0"/>
-              <a:t>04.07.2021</a:t>
+              <a:t>20.07.2021</a:t>
             </a:fld>
             <a:endParaRPr lang="de-DE"/>
           </a:p>
@@ -4812,7 +4893,7 @@
           <a:p>
             <a:fld id="{D4AD37E9-5A10-49A7-855D-CAA2D2E848B6}" type="datetimeFigureOut">
               <a:rPr lang="de-DE" smtClean="0"/>
-              <a:t>04.07.2021</a:t>
+              <a:t>20.07.2021</a:t>
             </a:fld>
             <a:endParaRPr lang="de-DE"/>
           </a:p>
@@ -4930,7 +5011,7 @@
           <a:p>
             <a:fld id="{D4AD37E9-5A10-49A7-855D-CAA2D2E848B6}" type="datetimeFigureOut">
               <a:rPr lang="de-DE" smtClean="0"/>
-              <a:t>04.07.2021</a:t>
+              <a:t>20.07.2021</a:t>
             </a:fld>
             <a:endParaRPr lang="de-DE"/>
           </a:p>
@@ -5025,7 +5106,7 @@
           <a:p>
             <a:fld id="{D4AD37E9-5A10-49A7-855D-CAA2D2E848B6}" type="datetimeFigureOut">
               <a:rPr lang="de-DE" smtClean="0"/>
-              <a:t>04.07.2021</a:t>
+              <a:t>20.07.2021</a:t>
             </a:fld>
             <a:endParaRPr lang="de-DE"/>
           </a:p>
@@ -5298,7 +5379,7 @@
           <a:p>
             <a:fld id="{D4AD37E9-5A10-49A7-855D-CAA2D2E848B6}" type="datetimeFigureOut">
               <a:rPr lang="de-DE" smtClean="0"/>
-              <a:t>04.07.2021</a:t>
+              <a:t>20.07.2021</a:t>
             </a:fld>
             <a:endParaRPr lang="de-DE"/>
           </a:p>
@@ -5579,7 +5660,7 @@
           <a:p>
             <a:fld id="{D4AD37E9-5A10-49A7-855D-CAA2D2E848B6}" type="datetimeFigureOut">
               <a:rPr lang="de-DE" smtClean="0"/>
-              <a:t>04.07.2021</a:t>
+              <a:t>20.07.2021</a:t>
             </a:fld>
             <a:endParaRPr lang="de-DE"/>
           </a:p>
@@ -5819,7 +5900,7 @@
           <a:p>
             <a:fld id="{D4AD37E9-5A10-49A7-855D-CAA2D2E848B6}" type="datetimeFigureOut">
               <a:rPr lang="de-DE" smtClean="0"/>
-              <a:t>04.07.2021</a:t>
+              <a:t>20.07.2021</a:t>
             </a:fld>
             <a:endParaRPr lang="de-DE"/>
           </a:p>
@@ -6413,7 +6494,7 @@
                   </a:schemeClr>
                 </a:solidFill>
               </a:rPr>
-              <a:t>Einführung in Dateien</a:t>
+              <a:t>Dateien</a:t>
             </a:r>
           </a:p>
         </p:txBody>
@@ -6481,7 +6562,7 @@
           <a:p>
             <a:fld id="{D4AD37E9-5A10-49A7-855D-CAA2D2E848B6}" type="datetimeFigureOut">
               <a:rPr lang="de-DE" smtClean="0"/>
-              <a:t>04.07.2021</a:t>
+              <a:t>20.07.2021</a:t>
             </a:fld>
             <a:endParaRPr lang="de-DE"/>
           </a:p>
@@ -7070,7 +7151,7 @@
           <a:p>
             <a:fld id="{D4AD37E9-5A10-49A7-855D-CAA2D2E848B6}" type="datetimeFigureOut">
               <a:rPr lang="de-DE" smtClean="0"/>
-              <a:t>04.07.2021</a:t>
+              <a:t>20.07.2021</a:t>
             </a:fld>
             <a:endParaRPr lang="de-DE"/>
           </a:p>
@@ -7103,46 +7184,12 @@
           <a:lstStyle/>
           <a:p>
             <a:r>
-              <a:rPr lang="en-US" sz="1200" dirty="0">
+              <a:rPr lang="de-DE" sz="1200" dirty="0">
                 <a:solidFill>
                   <a:schemeClr val="tx1">
                     <a:lumMod val="95000"/>
                   </a:schemeClr>
                 </a:solidFill>
-                <a:latin typeface="+mj-lt"/>
-              </a:rPr>
-              <a:t>Der </a:t>
-            </a:r>
-            <a:r>
-              <a:rPr lang="en-US" sz="1200" dirty="0" err="1">
-                <a:solidFill>
-                  <a:schemeClr val="tx1">
-                    <a:lumMod val="95000"/>
-                  </a:schemeClr>
-                </a:solidFill>
-                <a:latin typeface="+mj-lt"/>
-              </a:rPr>
-              <a:t>Nutzen</a:t>
-            </a:r>
-            <a:r>
-              <a:rPr lang="en-US" sz="1200" dirty="0">
-                <a:solidFill>
-                  <a:schemeClr val="tx1">
-                    <a:lumMod val="95000"/>
-                  </a:schemeClr>
-                </a:solidFill>
-                <a:latin typeface="+mj-lt"/>
-              </a:rPr>
-              <a:t> von </a:t>
-            </a:r>
-            <a:r>
-              <a:rPr lang="en-US" sz="1200" dirty="0" err="1">
-                <a:solidFill>
-                  <a:schemeClr val="tx1">
-                    <a:lumMod val="95000"/>
-                  </a:schemeClr>
-                </a:solidFill>
-                <a:latin typeface="+mj-lt"/>
               </a:rPr>
               <a:t>Dateien</a:t>
             </a:r>
@@ -7873,7 +7920,7 @@
           <a:p>
             <a:fld id="{D4AD37E9-5A10-49A7-855D-CAA2D2E848B6}" type="datetimeFigureOut">
               <a:rPr lang="de-DE" smtClean="0"/>
-              <a:t>04.07.2021</a:t>
+              <a:t>20.07.2021</a:t>
             </a:fld>
             <a:endParaRPr lang="de-DE"/>
           </a:p>
@@ -7906,46 +7953,12 @@
           <a:lstStyle/>
           <a:p>
             <a:r>
-              <a:rPr lang="en-US" sz="1200" dirty="0">
+              <a:rPr lang="de-DE" sz="1200" dirty="0">
                 <a:solidFill>
                   <a:schemeClr val="tx1">
                     <a:lumMod val="95000"/>
                   </a:schemeClr>
                 </a:solidFill>
-                <a:latin typeface="+mj-lt"/>
-              </a:rPr>
-              <a:t>Der </a:t>
-            </a:r>
-            <a:r>
-              <a:rPr lang="en-US" sz="1200" dirty="0" err="1">
-                <a:solidFill>
-                  <a:schemeClr val="tx1">
-                    <a:lumMod val="95000"/>
-                  </a:schemeClr>
-                </a:solidFill>
-                <a:latin typeface="+mj-lt"/>
-              </a:rPr>
-              <a:t>Nutzen</a:t>
-            </a:r>
-            <a:r>
-              <a:rPr lang="en-US" sz="1200" dirty="0">
-                <a:solidFill>
-                  <a:schemeClr val="tx1">
-                    <a:lumMod val="95000"/>
-                  </a:schemeClr>
-                </a:solidFill>
-                <a:latin typeface="+mj-lt"/>
-              </a:rPr>
-              <a:t> von </a:t>
-            </a:r>
-            <a:r>
-              <a:rPr lang="en-US" sz="1200" dirty="0" err="1">
-                <a:solidFill>
-                  <a:schemeClr val="tx1">
-                    <a:lumMod val="95000"/>
-                  </a:schemeClr>
-                </a:solidFill>
-                <a:latin typeface="+mj-lt"/>
               </a:rPr>
               <a:t>Dateien</a:t>
             </a:r>
@@ -8519,7 +8532,7 @@
           <a:p>
             <a:fld id="{D4AD37E9-5A10-49A7-855D-CAA2D2E848B6}" type="datetimeFigureOut">
               <a:rPr lang="de-DE" smtClean="0"/>
-              <a:t>04.07.2021</a:t>
+              <a:t>20.07.2021</a:t>
             </a:fld>
             <a:endParaRPr lang="de-DE"/>
           </a:p>
@@ -8552,16 +8565,23 @@
           <a:lstStyle/>
           <a:p>
             <a:r>
-              <a:rPr lang="en-US" sz="1200" dirty="0">
+              <a:rPr lang="de-DE" sz="1200" dirty="0">
                 <a:solidFill>
                   <a:schemeClr val="tx1">
                     <a:lumMod val="95000"/>
                   </a:schemeClr>
                 </a:solidFill>
-                <a:latin typeface="+mj-lt"/>
               </a:rPr>
-              <a:t>CSV</a:t>
-            </a:r>
+              <a:t>Dateien</a:t>
+            </a:r>
+            <a:endParaRPr lang="en-US" sz="1200" dirty="0">
+              <a:solidFill>
+                <a:schemeClr val="tx1">
+                  <a:lumMod val="95000"/>
+                </a:schemeClr>
+              </a:solidFill>
+              <a:latin typeface="+mj-lt"/>
+            </a:endParaRPr>
           </a:p>
         </p:txBody>
       </p:sp>
@@ -9026,7 +9046,7 @@
           <a:p>
             <a:fld id="{D4AD37E9-5A10-49A7-855D-CAA2D2E848B6}" type="datetimeFigureOut">
               <a:rPr lang="de-DE" smtClean="0"/>
-              <a:t>04.07.2021</a:t>
+              <a:t>20.07.2021</a:t>
             </a:fld>
             <a:endParaRPr lang="de-DE"/>
           </a:p>
@@ -9059,16 +9079,23 @@
           <a:lstStyle/>
           <a:p>
             <a:r>
-              <a:rPr lang="en-US" sz="1200" dirty="0">
+              <a:rPr lang="de-DE" sz="1200" dirty="0">
                 <a:solidFill>
                   <a:schemeClr val="tx1">
                     <a:lumMod val="95000"/>
                   </a:schemeClr>
                 </a:solidFill>
-                <a:latin typeface="+mj-lt"/>
               </a:rPr>
-              <a:t>JSON</a:t>
-            </a:r>
+              <a:t>Dateien</a:t>
+            </a:r>
+            <a:endParaRPr lang="en-US" sz="1200" dirty="0">
+              <a:solidFill>
+                <a:schemeClr val="tx1">
+                  <a:lumMod val="95000"/>
+                </a:schemeClr>
+              </a:solidFill>
+              <a:latin typeface="+mj-lt"/>
+            </a:endParaRPr>
           </a:p>
         </p:txBody>
       </p:sp>
